--- a/Predictive Space Resiliency - Huntley.pptx
+++ b/Predictive Space Resiliency - Huntley.pptx
@@ -9382,7 +9382,7 @@
           <p:nvPr>
             <p:extLst>
               <p:ext uri="{D42A27DB-BD31-4B8C-83A1-F6EECF244321}">
-                <p14:modId xmlns:p14="http://schemas.microsoft.com/office/powerpoint/2010/main" val="3097550683"/>
+                <p14:modId xmlns:p14="http://schemas.microsoft.com/office/powerpoint/2010/main" val="3215837522"/>
               </p:ext>
             </p:extLst>
           </p:nvPr>
@@ -9763,6 +9763,181 @@
             <a:r>
               <a:rPr lang="en-US" sz="1200" dirty="0"/>
               <a:t>2025</a:t>
+            </a:r>
+          </a:p>
+        </p:txBody>
+      </p:sp>
+      <p:sp>
+        <p:nvSpPr>
+          <p:cNvPr id="13" name="TextBox 12">
+            <a:extLst>
+              <a:ext uri="{FF2B5EF4-FFF2-40B4-BE49-F238E27FC236}">
+                <a16:creationId xmlns:a16="http://schemas.microsoft.com/office/drawing/2014/main" id="{2403150C-4BA8-4C46-AD23-B7A637BE54DA}"/>
+              </a:ext>
+            </a:extLst>
+          </p:cNvPr>
+          <p:cNvSpPr txBox="1"/>
+          <p:nvPr/>
+        </p:nvSpPr>
+        <p:spPr>
+          <a:xfrm>
+            <a:off x="8823579" y="2611547"/>
+            <a:ext cx="793535" cy="646331"/>
+          </a:xfrm>
+          <a:prstGeom prst="rect">
+            <a:avLst/>
+          </a:prstGeom>
+          <a:noFill/>
+        </p:spPr>
+        <p:txBody>
+          <a:bodyPr wrap="square" rtlCol="0">
+            <a:spAutoFit/>
+          </a:bodyPr>
+          <a:lstStyle/>
+          <a:p>
+            <a:r>
+              <a:rPr lang="en-US" sz="1200" dirty="0"/>
+              <a:t>~7,200 satellites in orbit</a:t>
+            </a:r>
+          </a:p>
+        </p:txBody>
+      </p:sp>
+      <p:sp>
+        <p:nvSpPr>
+          <p:cNvPr id="14" name="TextBox 13">
+            <a:extLst>
+              <a:ext uri="{FF2B5EF4-FFF2-40B4-BE49-F238E27FC236}">
+                <a16:creationId xmlns:a16="http://schemas.microsoft.com/office/drawing/2014/main" id="{694349C9-7167-43F3-ADB2-6AE932F5EA2A}"/>
+              </a:ext>
+            </a:extLst>
+          </p:cNvPr>
+          <p:cNvSpPr txBox="1"/>
+          <p:nvPr/>
+        </p:nvSpPr>
+        <p:spPr>
+          <a:xfrm>
+            <a:off x="9520506" y="3686683"/>
+            <a:ext cx="732574" cy="646331"/>
+          </a:xfrm>
+          <a:prstGeom prst="rect">
+            <a:avLst/>
+          </a:prstGeom>
+          <a:noFill/>
+        </p:spPr>
+        <p:txBody>
+          <a:bodyPr wrap="square" rtlCol="0">
+            <a:spAutoFit/>
+          </a:bodyPr>
+          <a:lstStyle/>
+          <a:p>
+            <a:r>
+              <a:rPr lang="en-US" sz="1200" dirty="0"/>
+              <a:t>~8,500 satellites in orbit</a:t>
+            </a:r>
+          </a:p>
+        </p:txBody>
+      </p:sp>
+      <p:sp>
+        <p:nvSpPr>
+          <p:cNvPr id="15" name="TextBox 14">
+            <a:extLst>
+              <a:ext uri="{FF2B5EF4-FFF2-40B4-BE49-F238E27FC236}">
+                <a16:creationId xmlns:a16="http://schemas.microsoft.com/office/drawing/2014/main" id="{75588737-4E2B-41A8-B4D0-6EFBF5DFD6D9}"/>
+              </a:ext>
+            </a:extLst>
+          </p:cNvPr>
+          <p:cNvSpPr txBox="1"/>
+          <p:nvPr/>
+        </p:nvSpPr>
+        <p:spPr>
+          <a:xfrm>
+            <a:off x="10153227" y="2518708"/>
+            <a:ext cx="1016537" cy="646331"/>
+          </a:xfrm>
+          <a:prstGeom prst="rect">
+            <a:avLst/>
+          </a:prstGeom>
+          <a:noFill/>
+        </p:spPr>
+        <p:txBody>
+          <a:bodyPr wrap="square" rtlCol="0">
+            <a:spAutoFit/>
+          </a:bodyPr>
+          <a:lstStyle/>
+          <a:p>
+            <a:r>
+              <a:rPr lang="en-US" sz="1200" dirty="0"/>
+              <a:t>~11,000 satellites in orbit</a:t>
+            </a:r>
+          </a:p>
+        </p:txBody>
+      </p:sp>
+      <p:sp>
+        <p:nvSpPr>
+          <p:cNvPr id="16" name="TextBox 15">
+            <a:extLst>
+              <a:ext uri="{FF2B5EF4-FFF2-40B4-BE49-F238E27FC236}">
+                <a16:creationId xmlns:a16="http://schemas.microsoft.com/office/drawing/2014/main" id="{493FE940-25FF-4686-8732-8696EA3110BC}"/>
+              </a:ext>
+            </a:extLst>
+          </p:cNvPr>
+          <p:cNvSpPr txBox="1"/>
+          <p:nvPr/>
+        </p:nvSpPr>
+        <p:spPr>
+          <a:xfrm>
+            <a:off x="11472031" y="2518707"/>
+            <a:ext cx="739502" cy="646331"/>
+          </a:xfrm>
+          <a:prstGeom prst="rect">
+            <a:avLst/>
+          </a:prstGeom>
+          <a:noFill/>
+        </p:spPr>
+        <p:txBody>
+          <a:bodyPr wrap="square" rtlCol="0">
+            <a:spAutoFit/>
+          </a:bodyPr>
+          <a:lstStyle/>
+          <a:p>
+            <a:r>
+              <a:rPr lang="en-US" sz="1200" dirty="0"/>
+              <a:t>~21,000 satellites in orbit</a:t>
+            </a:r>
+          </a:p>
+        </p:txBody>
+      </p:sp>
+      <p:sp>
+        <p:nvSpPr>
+          <p:cNvPr id="18" name="TextBox 17">
+            <a:extLst>
+              <a:ext uri="{FF2B5EF4-FFF2-40B4-BE49-F238E27FC236}">
+                <a16:creationId xmlns:a16="http://schemas.microsoft.com/office/drawing/2014/main" id="{85D650D0-7822-45A2-80C3-32807E9BC713}"/>
+              </a:ext>
+            </a:extLst>
+          </p:cNvPr>
+          <p:cNvSpPr txBox="1"/>
+          <p:nvPr/>
+        </p:nvSpPr>
+        <p:spPr>
+          <a:xfrm>
+            <a:off x="10917198" y="3756227"/>
+            <a:ext cx="787464" cy="646331"/>
+          </a:xfrm>
+          <a:prstGeom prst="rect">
+            <a:avLst/>
+          </a:prstGeom>
+          <a:noFill/>
+        </p:spPr>
+        <p:txBody>
+          <a:bodyPr wrap="square" rtlCol="0">
+            <a:spAutoFit/>
+          </a:bodyPr>
+          <a:lstStyle/>
+          <a:p>
+            <a:r>
+              <a:rPr lang="en-US" sz="1200" dirty="0"/>
+              <a:t>~16,000 satellites in orbit</a:t>
             </a:r>
           </a:p>
         </p:txBody>
